--- a/media/logos.pptx
+++ b/media/logos.pptx
@@ -260,7 +260,7 @@
           <a:p>
             <a:fld id="{24D615DE-130D-46BF-8561-7B18FF10B9E2}" type="datetimeFigureOut">
               <a:rPr lang="en-US" smtClean="0"/>
-              <a:t>8/23/2024</a:t>
+              <a:t>6/22/25</a:t>
             </a:fld>
             <a:endParaRPr lang="en-US"/>
           </a:p>
@@ -458,7 +458,7 @@
           <a:p>
             <a:fld id="{24D615DE-130D-46BF-8561-7B18FF10B9E2}" type="datetimeFigureOut">
               <a:rPr lang="en-US" smtClean="0"/>
-              <a:t>8/23/2024</a:t>
+              <a:t>6/22/25</a:t>
             </a:fld>
             <a:endParaRPr lang="en-US"/>
           </a:p>
@@ -666,7 +666,7 @@
           <a:p>
             <a:fld id="{24D615DE-130D-46BF-8561-7B18FF10B9E2}" type="datetimeFigureOut">
               <a:rPr lang="en-US" smtClean="0"/>
-              <a:t>8/23/2024</a:t>
+              <a:t>6/22/25</a:t>
             </a:fld>
             <a:endParaRPr lang="en-US"/>
           </a:p>
@@ -864,7 +864,7 @@
           <a:p>
             <a:fld id="{24D615DE-130D-46BF-8561-7B18FF10B9E2}" type="datetimeFigureOut">
               <a:rPr lang="en-US" smtClean="0"/>
-              <a:t>8/23/2024</a:t>
+              <a:t>6/22/25</a:t>
             </a:fld>
             <a:endParaRPr lang="en-US"/>
           </a:p>
@@ -1139,7 +1139,7 @@
           <a:p>
             <a:fld id="{24D615DE-130D-46BF-8561-7B18FF10B9E2}" type="datetimeFigureOut">
               <a:rPr lang="en-US" smtClean="0"/>
-              <a:t>8/23/2024</a:t>
+              <a:t>6/22/25</a:t>
             </a:fld>
             <a:endParaRPr lang="en-US"/>
           </a:p>
@@ -1404,7 +1404,7 @@
           <a:p>
             <a:fld id="{24D615DE-130D-46BF-8561-7B18FF10B9E2}" type="datetimeFigureOut">
               <a:rPr lang="en-US" smtClean="0"/>
-              <a:t>8/23/2024</a:t>
+              <a:t>6/22/25</a:t>
             </a:fld>
             <a:endParaRPr lang="en-US"/>
           </a:p>
@@ -1816,7 +1816,7 @@
           <a:p>
             <a:fld id="{24D615DE-130D-46BF-8561-7B18FF10B9E2}" type="datetimeFigureOut">
               <a:rPr lang="en-US" smtClean="0"/>
-              <a:t>8/23/2024</a:t>
+              <a:t>6/22/25</a:t>
             </a:fld>
             <a:endParaRPr lang="en-US"/>
           </a:p>
@@ -1957,7 +1957,7 @@
           <a:p>
             <a:fld id="{24D615DE-130D-46BF-8561-7B18FF10B9E2}" type="datetimeFigureOut">
               <a:rPr lang="en-US" smtClean="0"/>
-              <a:t>8/23/2024</a:t>
+              <a:t>6/22/25</a:t>
             </a:fld>
             <a:endParaRPr lang="en-US"/>
           </a:p>
@@ -2070,7 +2070,7 @@
           <a:p>
             <a:fld id="{24D615DE-130D-46BF-8561-7B18FF10B9E2}" type="datetimeFigureOut">
               <a:rPr lang="en-US" smtClean="0"/>
-              <a:t>8/23/2024</a:t>
+              <a:t>6/22/25</a:t>
             </a:fld>
             <a:endParaRPr lang="en-US"/>
           </a:p>
@@ -2381,7 +2381,7 @@
           <a:p>
             <a:fld id="{24D615DE-130D-46BF-8561-7B18FF10B9E2}" type="datetimeFigureOut">
               <a:rPr lang="en-US" smtClean="0"/>
-              <a:t>8/23/2024</a:t>
+              <a:t>6/22/25</a:t>
             </a:fld>
             <a:endParaRPr lang="en-US"/>
           </a:p>
@@ -2669,7 +2669,7 @@
           <a:p>
             <a:fld id="{24D615DE-130D-46BF-8561-7B18FF10B9E2}" type="datetimeFigureOut">
               <a:rPr lang="en-US" smtClean="0"/>
-              <a:t>8/23/2024</a:t>
+              <a:t>6/22/25</a:t>
             </a:fld>
             <a:endParaRPr lang="en-US"/>
           </a:p>
@@ -2910,7 +2910,7 @@
           <a:p>
             <a:fld id="{24D615DE-130D-46BF-8561-7B18FF10B9E2}" type="datetimeFigureOut">
               <a:rPr lang="en-US" smtClean="0"/>
-              <a:t>8/23/2024</a:t>
+              <a:t>6/22/25</a:t>
             </a:fld>
             <a:endParaRPr lang="en-US"/>
           </a:p>
@@ -4289,7 +4289,7 @@
                   <a:latin typeface="Source Sans Pro" panose="020B0503030403020204" pitchFamily="34" charset="0"/>
                   <a:ea typeface="Source Sans Pro" panose="020B0503030403020204" pitchFamily="34" charset="0"/>
                 </a:rPr>
-                <a:t>(Exp. 2025)</a:t>
+                <a:t>2025</a:t>
               </a:r>
             </a:p>
           </p:txBody>
